--- a/ppt 16-9/0687.信心相结连.pptx
+++ b/ppt 16-9/0687.信心相结连.pptx
@@ -129,7 +129,7 @@
           <p:cNvPr id="2" name="标题 1">
             <a:extLst>
               <a:ext uri="{FF2B5EF4-FFF2-40B4-BE49-F238E27FC236}">
-                <a16:creationId xmlns:a16="http://schemas.microsoft.com/office/drawing/2014/main" id="{2F4A41C3-CBEA-753A-F448-F1EA18FFBE2F}"/>
+                <a16:creationId xmlns:a16="http://schemas.microsoft.com/office/drawing/2014/main" id="{98CCC3FB-135B-3523-CB18-055EBE3968B6}"/>
               </a:ext>
             </a:extLst>
           </p:cNvPr>
@@ -166,7 +166,7 @@
           <p:cNvPr id="3" name="副标题 2">
             <a:extLst>
               <a:ext uri="{FF2B5EF4-FFF2-40B4-BE49-F238E27FC236}">
-                <a16:creationId xmlns:a16="http://schemas.microsoft.com/office/drawing/2014/main" id="{50C72167-D0A7-2ED0-3DBF-DDD456F544D3}"/>
+                <a16:creationId xmlns:a16="http://schemas.microsoft.com/office/drawing/2014/main" id="{05730685-E972-936F-E8F5-D6FE387687D2}"/>
               </a:ext>
             </a:extLst>
           </p:cNvPr>
@@ -236,7 +236,7 @@
           <p:cNvPr id="4" name="日期占位符 3">
             <a:extLst>
               <a:ext uri="{FF2B5EF4-FFF2-40B4-BE49-F238E27FC236}">
-                <a16:creationId xmlns:a16="http://schemas.microsoft.com/office/drawing/2014/main" id="{A7EF268E-BAAE-4E8D-CBEA-FBD8ABF48A8D}"/>
+                <a16:creationId xmlns:a16="http://schemas.microsoft.com/office/drawing/2014/main" id="{E3297D20-934A-F37A-F376-E6692BCC6DA0}"/>
               </a:ext>
             </a:extLst>
           </p:cNvPr>
@@ -252,7 +252,7 @@
           <a:bodyPr/>
           <a:lstStyle/>
           <a:p>
-            <a:fld id="{8BDABA23-4AF8-4CEE-8758-C9D294637D42}" type="datetimeFigureOut">
+            <a:fld id="{EA0E29E5-1927-48DC-B979-7076FC8B7CF6}" type="datetimeFigureOut">
               <a:rPr lang="zh-CN" altLang="en-US" smtClean="0"/>
               <a:t>2024/3/10</a:t>
             </a:fld>
@@ -265,7 +265,7 @@
           <p:cNvPr id="5" name="页脚占位符 4">
             <a:extLst>
               <a:ext uri="{FF2B5EF4-FFF2-40B4-BE49-F238E27FC236}">
-                <a16:creationId xmlns:a16="http://schemas.microsoft.com/office/drawing/2014/main" id="{21114B2D-AED7-C714-3739-6F62F7E6EC88}"/>
+                <a16:creationId xmlns:a16="http://schemas.microsoft.com/office/drawing/2014/main" id="{99C1120A-EFA4-CFED-53A5-56F12ADB3727}"/>
               </a:ext>
             </a:extLst>
           </p:cNvPr>
@@ -290,7 +290,7 @@
           <p:cNvPr id="6" name="灯片编号占位符 5">
             <a:extLst>
               <a:ext uri="{FF2B5EF4-FFF2-40B4-BE49-F238E27FC236}">
-                <a16:creationId xmlns:a16="http://schemas.microsoft.com/office/drawing/2014/main" id="{D782A246-5525-E21A-B743-93C918E2D63B}"/>
+                <a16:creationId xmlns:a16="http://schemas.microsoft.com/office/drawing/2014/main" id="{718B57E1-7131-C5D1-22BD-35D43DE71BDE}"/>
               </a:ext>
             </a:extLst>
           </p:cNvPr>
@@ -306,7 +306,7 @@
           <a:bodyPr/>
           <a:lstStyle/>
           <a:p>
-            <a:fld id="{6A613B97-B195-4CED-B828-C1C1B0867B76}" type="slidenum">
+            <a:fld id="{85A7496E-AD7E-41A4-B6EB-0B0EA730FCAF}" type="slidenum">
               <a:rPr lang="zh-CN" altLang="en-US" smtClean="0"/>
               <a:t>‹#›</a:t>
             </a:fld>
@@ -317,7 +317,7 @@
     </p:spTree>
     <p:extLst>
       <p:ext uri="{BB962C8B-B14F-4D97-AF65-F5344CB8AC3E}">
-        <p14:creationId xmlns:p14="http://schemas.microsoft.com/office/powerpoint/2010/main" val="2204737527"/>
+        <p14:creationId xmlns:p14="http://schemas.microsoft.com/office/powerpoint/2010/main" val="2394860494"/>
       </p:ext>
     </p:extLst>
   </p:cSld>
@@ -349,7 +349,7 @@
           <p:cNvPr id="2" name="标题 1">
             <a:extLst>
               <a:ext uri="{FF2B5EF4-FFF2-40B4-BE49-F238E27FC236}">
-                <a16:creationId xmlns:a16="http://schemas.microsoft.com/office/drawing/2014/main" id="{C3359F92-9653-DCF8-6D9E-08919795E51A}"/>
+                <a16:creationId xmlns:a16="http://schemas.microsoft.com/office/drawing/2014/main" id="{B82AED53-5B12-2F59-E55C-82B41EE503A6}"/>
               </a:ext>
             </a:extLst>
           </p:cNvPr>
@@ -377,7 +377,7 @@
           <p:cNvPr id="3" name="竖排文字占位符 2">
             <a:extLst>
               <a:ext uri="{FF2B5EF4-FFF2-40B4-BE49-F238E27FC236}">
-                <a16:creationId xmlns:a16="http://schemas.microsoft.com/office/drawing/2014/main" id="{BCA6040B-8772-099D-482A-88231D701A18}"/>
+                <a16:creationId xmlns:a16="http://schemas.microsoft.com/office/drawing/2014/main" id="{E267592E-F46F-9388-71E0-76DB728B1D40}"/>
               </a:ext>
             </a:extLst>
           </p:cNvPr>
@@ -434,7 +434,7 @@
           <p:cNvPr id="4" name="日期占位符 3">
             <a:extLst>
               <a:ext uri="{FF2B5EF4-FFF2-40B4-BE49-F238E27FC236}">
-                <a16:creationId xmlns:a16="http://schemas.microsoft.com/office/drawing/2014/main" id="{67D63099-8BFC-4EA6-E36F-F5BB11BE333C}"/>
+                <a16:creationId xmlns:a16="http://schemas.microsoft.com/office/drawing/2014/main" id="{D504E5E9-29E7-19CF-EC9D-CF0B7D0796EE}"/>
               </a:ext>
             </a:extLst>
           </p:cNvPr>
@@ -450,7 +450,7 @@
           <a:bodyPr/>
           <a:lstStyle/>
           <a:p>
-            <a:fld id="{8BDABA23-4AF8-4CEE-8758-C9D294637D42}" type="datetimeFigureOut">
+            <a:fld id="{EA0E29E5-1927-48DC-B979-7076FC8B7CF6}" type="datetimeFigureOut">
               <a:rPr lang="zh-CN" altLang="en-US" smtClean="0"/>
               <a:t>2024/3/10</a:t>
             </a:fld>
@@ -463,7 +463,7 @@
           <p:cNvPr id="5" name="页脚占位符 4">
             <a:extLst>
               <a:ext uri="{FF2B5EF4-FFF2-40B4-BE49-F238E27FC236}">
-                <a16:creationId xmlns:a16="http://schemas.microsoft.com/office/drawing/2014/main" id="{AE79974B-46D8-7E75-9301-08F8FC425AE2}"/>
+                <a16:creationId xmlns:a16="http://schemas.microsoft.com/office/drawing/2014/main" id="{9ACFB80E-8B68-C7EB-9B81-FB5153A84FE6}"/>
               </a:ext>
             </a:extLst>
           </p:cNvPr>
@@ -488,7 +488,7 @@
           <p:cNvPr id="6" name="灯片编号占位符 5">
             <a:extLst>
               <a:ext uri="{FF2B5EF4-FFF2-40B4-BE49-F238E27FC236}">
-                <a16:creationId xmlns:a16="http://schemas.microsoft.com/office/drawing/2014/main" id="{114DFA9C-A156-760D-6723-572BB3677154}"/>
+                <a16:creationId xmlns:a16="http://schemas.microsoft.com/office/drawing/2014/main" id="{6C549FDB-ADFD-E4E1-ACA4-C75B18B75465}"/>
               </a:ext>
             </a:extLst>
           </p:cNvPr>
@@ -504,7 +504,7 @@
           <a:bodyPr/>
           <a:lstStyle/>
           <a:p>
-            <a:fld id="{6A613B97-B195-4CED-B828-C1C1B0867B76}" type="slidenum">
+            <a:fld id="{85A7496E-AD7E-41A4-B6EB-0B0EA730FCAF}" type="slidenum">
               <a:rPr lang="zh-CN" altLang="en-US" smtClean="0"/>
               <a:t>‹#›</a:t>
             </a:fld>
@@ -515,7 +515,7 @@
     </p:spTree>
     <p:extLst>
       <p:ext uri="{BB962C8B-B14F-4D97-AF65-F5344CB8AC3E}">
-        <p14:creationId xmlns:p14="http://schemas.microsoft.com/office/powerpoint/2010/main" val="4041300980"/>
+        <p14:creationId xmlns:p14="http://schemas.microsoft.com/office/powerpoint/2010/main" val="3390908327"/>
       </p:ext>
     </p:extLst>
   </p:cSld>
@@ -547,7 +547,7 @@
           <p:cNvPr id="2" name="竖排标题 1">
             <a:extLst>
               <a:ext uri="{FF2B5EF4-FFF2-40B4-BE49-F238E27FC236}">
-                <a16:creationId xmlns:a16="http://schemas.microsoft.com/office/drawing/2014/main" id="{57EB87E3-DCFB-9944-5A50-80886706CBE2}"/>
+                <a16:creationId xmlns:a16="http://schemas.microsoft.com/office/drawing/2014/main" id="{2D77C46F-5DC9-F62D-FFE2-8FF027C38106}"/>
               </a:ext>
             </a:extLst>
           </p:cNvPr>
@@ -580,7 +580,7 @@
           <p:cNvPr id="3" name="竖排文字占位符 2">
             <a:extLst>
               <a:ext uri="{FF2B5EF4-FFF2-40B4-BE49-F238E27FC236}">
-                <a16:creationId xmlns:a16="http://schemas.microsoft.com/office/drawing/2014/main" id="{8C973E99-C8B6-8BBC-99F9-02F4F7377EB6}"/>
+                <a16:creationId xmlns:a16="http://schemas.microsoft.com/office/drawing/2014/main" id="{26493111-F917-F633-DBBF-2155120EFA24}"/>
               </a:ext>
             </a:extLst>
           </p:cNvPr>
@@ -642,7 +642,7 @@
           <p:cNvPr id="4" name="日期占位符 3">
             <a:extLst>
               <a:ext uri="{FF2B5EF4-FFF2-40B4-BE49-F238E27FC236}">
-                <a16:creationId xmlns:a16="http://schemas.microsoft.com/office/drawing/2014/main" id="{5DB658CB-EDB4-10BE-BD12-ED5EF41F472E}"/>
+                <a16:creationId xmlns:a16="http://schemas.microsoft.com/office/drawing/2014/main" id="{38D0C25F-DD6F-0C46-6395-EE9227985460}"/>
               </a:ext>
             </a:extLst>
           </p:cNvPr>
@@ -658,7 +658,7 @@
           <a:bodyPr/>
           <a:lstStyle/>
           <a:p>
-            <a:fld id="{8BDABA23-4AF8-4CEE-8758-C9D294637D42}" type="datetimeFigureOut">
+            <a:fld id="{EA0E29E5-1927-48DC-B979-7076FC8B7CF6}" type="datetimeFigureOut">
               <a:rPr lang="zh-CN" altLang="en-US" smtClean="0"/>
               <a:t>2024/3/10</a:t>
             </a:fld>
@@ -671,7 +671,7 @@
           <p:cNvPr id="5" name="页脚占位符 4">
             <a:extLst>
               <a:ext uri="{FF2B5EF4-FFF2-40B4-BE49-F238E27FC236}">
-                <a16:creationId xmlns:a16="http://schemas.microsoft.com/office/drawing/2014/main" id="{2ADA66C7-6BE5-760C-3E11-85B59751A716}"/>
+                <a16:creationId xmlns:a16="http://schemas.microsoft.com/office/drawing/2014/main" id="{61FC63F0-BC36-B72D-D89C-64CA834C3A50}"/>
               </a:ext>
             </a:extLst>
           </p:cNvPr>
@@ -696,7 +696,7 @@
           <p:cNvPr id="6" name="灯片编号占位符 5">
             <a:extLst>
               <a:ext uri="{FF2B5EF4-FFF2-40B4-BE49-F238E27FC236}">
-                <a16:creationId xmlns:a16="http://schemas.microsoft.com/office/drawing/2014/main" id="{04780155-0690-7A4E-D167-87885CB5D837}"/>
+                <a16:creationId xmlns:a16="http://schemas.microsoft.com/office/drawing/2014/main" id="{6196B270-2608-A923-F9AE-6F1AF3BEA5DF}"/>
               </a:ext>
             </a:extLst>
           </p:cNvPr>
@@ -712,7 +712,7 @@
           <a:bodyPr/>
           <a:lstStyle/>
           <a:p>
-            <a:fld id="{6A613B97-B195-4CED-B828-C1C1B0867B76}" type="slidenum">
+            <a:fld id="{85A7496E-AD7E-41A4-B6EB-0B0EA730FCAF}" type="slidenum">
               <a:rPr lang="zh-CN" altLang="en-US" smtClean="0"/>
               <a:t>‹#›</a:t>
             </a:fld>
@@ -723,7 +723,7 @@
     </p:spTree>
     <p:extLst>
       <p:ext uri="{BB962C8B-B14F-4D97-AF65-F5344CB8AC3E}">
-        <p14:creationId xmlns:p14="http://schemas.microsoft.com/office/powerpoint/2010/main" val="1438953714"/>
+        <p14:creationId xmlns:p14="http://schemas.microsoft.com/office/powerpoint/2010/main" val="63116906"/>
       </p:ext>
     </p:extLst>
   </p:cSld>
@@ -755,7 +755,7 @@
           <p:cNvPr id="2" name="标题 1">
             <a:extLst>
               <a:ext uri="{FF2B5EF4-FFF2-40B4-BE49-F238E27FC236}">
-                <a16:creationId xmlns:a16="http://schemas.microsoft.com/office/drawing/2014/main" id="{030A2B3B-78C2-6881-52C6-C2605CE4792F}"/>
+                <a16:creationId xmlns:a16="http://schemas.microsoft.com/office/drawing/2014/main" id="{95740F56-A3CC-D4CE-972C-A72FE36D2E6F}"/>
               </a:ext>
             </a:extLst>
           </p:cNvPr>
@@ -783,7 +783,7 @@
           <p:cNvPr id="3" name="内容占位符 2">
             <a:extLst>
               <a:ext uri="{FF2B5EF4-FFF2-40B4-BE49-F238E27FC236}">
-                <a16:creationId xmlns:a16="http://schemas.microsoft.com/office/drawing/2014/main" id="{AA9B4AAD-88CB-9776-188F-6BEE33EB75FA}"/>
+                <a16:creationId xmlns:a16="http://schemas.microsoft.com/office/drawing/2014/main" id="{75DEF6F2-A72A-7FCB-9199-F8442F0DFA0C}"/>
               </a:ext>
             </a:extLst>
           </p:cNvPr>
@@ -840,7 +840,7 @@
           <p:cNvPr id="4" name="日期占位符 3">
             <a:extLst>
               <a:ext uri="{FF2B5EF4-FFF2-40B4-BE49-F238E27FC236}">
-                <a16:creationId xmlns:a16="http://schemas.microsoft.com/office/drawing/2014/main" id="{52139EE6-597C-8DE0-7240-60FB3163FE37}"/>
+                <a16:creationId xmlns:a16="http://schemas.microsoft.com/office/drawing/2014/main" id="{81FEB3F6-7499-564B-9730-67034DB56428}"/>
               </a:ext>
             </a:extLst>
           </p:cNvPr>
@@ -856,7 +856,7 @@
           <a:bodyPr/>
           <a:lstStyle/>
           <a:p>
-            <a:fld id="{8BDABA23-4AF8-4CEE-8758-C9D294637D42}" type="datetimeFigureOut">
+            <a:fld id="{EA0E29E5-1927-48DC-B979-7076FC8B7CF6}" type="datetimeFigureOut">
               <a:rPr lang="zh-CN" altLang="en-US" smtClean="0"/>
               <a:t>2024/3/10</a:t>
             </a:fld>
@@ -869,7 +869,7 @@
           <p:cNvPr id="5" name="页脚占位符 4">
             <a:extLst>
               <a:ext uri="{FF2B5EF4-FFF2-40B4-BE49-F238E27FC236}">
-                <a16:creationId xmlns:a16="http://schemas.microsoft.com/office/drawing/2014/main" id="{F97697A4-D3E2-CF39-0420-DD0F20EA0295}"/>
+                <a16:creationId xmlns:a16="http://schemas.microsoft.com/office/drawing/2014/main" id="{98DA5B69-8C48-D347-B200-579271F37EFA}"/>
               </a:ext>
             </a:extLst>
           </p:cNvPr>
@@ -894,7 +894,7 @@
           <p:cNvPr id="6" name="灯片编号占位符 5">
             <a:extLst>
               <a:ext uri="{FF2B5EF4-FFF2-40B4-BE49-F238E27FC236}">
-                <a16:creationId xmlns:a16="http://schemas.microsoft.com/office/drawing/2014/main" id="{84C03A3B-48EF-3E7C-2900-57F27F459E6B}"/>
+                <a16:creationId xmlns:a16="http://schemas.microsoft.com/office/drawing/2014/main" id="{A5155002-7AFD-F305-6731-2A6F51C2FF44}"/>
               </a:ext>
             </a:extLst>
           </p:cNvPr>
@@ -910,7 +910,7 @@
           <a:bodyPr/>
           <a:lstStyle/>
           <a:p>
-            <a:fld id="{6A613B97-B195-4CED-B828-C1C1B0867B76}" type="slidenum">
+            <a:fld id="{85A7496E-AD7E-41A4-B6EB-0B0EA730FCAF}" type="slidenum">
               <a:rPr lang="zh-CN" altLang="en-US" smtClean="0"/>
               <a:t>‹#›</a:t>
             </a:fld>
@@ -921,7 +921,7 @@
     </p:spTree>
     <p:extLst>
       <p:ext uri="{BB962C8B-B14F-4D97-AF65-F5344CB8AC3E}">
-        <p14:creationId xmlns:p14="http://schemas.microsoft.com/office/powerpoint/2010/main" val="3393368160"/>
+        <p14:creationId xmlns:p14="http://schemas.microsoft.com/office/powerpoint/2010/main" val="4215750870"/>
       </p:ext>
     </p:extLst>
   </p:cSld>
@@ -953,7 +953,7 @@
           <p:cNvPr id="2" name="标题 1">
             <a:extLst>
               <a:ext uri="{FF2B5EF4-FFF2-40B4-BE49-F238E27FC236}">
-                <a16:creationId xmlns:a16="http://schemas.microsoft.com/office/drawing/2014/main" id="{9922AB90-B4BE-2763-66C5-278A05BF2D0E}"/>
+                <a16:creationId xmlns:a16="http://schemas.microsoft.com/office/drawing/2014/main" id="{DF797E2A-8C38-0BA6-E99D-7B5F54DA3C89}"/>
               </a:ext>
             </a:extLst>
           </p:cNvPr>
@@ -990,7 +990,7 @@
           <p:cNvPr id="3" name="文本占位符 2">
             <a:extLst>
               <a:ext uri="{FF2B5EF4-FFF2-40B4-BE49-F238E27FC236}">
-                <a16:creationId xmlns:a16="http://schemas.microsoft.com/office/drawing/2014/main" id="{DBE4A81C-16BC-A4F8-D09F-6AEFD38F8D7C}"/>
+                <a16:creationId xmlns:a16="http://schemas.microsoft.com/office/drawing/2014/main" id="{2AA64C3A-8913-5613-7487-C1D5840C1024}"/>
               </a:ext>
             </a:extLst>
           </p:cNvPr>
@@ -1115,7 +1115,7 @@
           <p:cNvPr id="4" name="日期占位符 3">
             <a:extLst>
               <a:ext uri="{FF2B5EF4-FFF2-40B4-BE49-F238E27FC236}">
-                <a16:creationId xmlns:a16="http://schemas.microsoft.com/office/drawing/2014/main" id="{059371ED-9848-26B9-5E51-0AAB98FC6EB9}"/>
+                <a16:creationId xmlns:a16="http://schemas.microsoft.com/office/drawing/2014/main" id="{38F8618F-362D-14A5-F932-E1434510A8AB}"/>
               </a:ext>
             </a:extLst>
           </p:cNvPr>
@@ -1131,7 +1131,7 @@
           <a:bodyPr/>
           <a:lstStyle/>
           <a:p>
-            <a:fld id="{8BDABA23-4AF8-4CEE-8758-C9D294637D42}" type="datetimeFigureOut">
+            <a:fld id="{EA0E29E5-1927-48DC-B979-7076FC8B7CF6}" type="datetimeFigureOut">
               <a:rPr lang="zh-CN" altLang="en-US" smtClean="0"/>
               <a:t>2024/3/10</a:t>
             </a:fld>
@@ -1144,7 +1144,7 @@
           <p:cNvPr id="5" name="页脚占位符 4">
             <a:extLst>
               <a:ext uri="{FF2B5EF4-FFF2-40B4-BE49-F238E27FC236}">
-                <a16:creationId xmlns:a16="http://schemas.microsoft.com/office/drawing/2014/main" id="{017BEA39-9404-BF53-57D1-62B54B873908}"/>
+                <a16:creationId xmlns:a16="http://schemas.microsoft.com/office/drawing/2014/main" id="{55FCB98E-834D-BA6D-06A4-8E258147FA68}"/>
               </a:ext>
             </a:extLst>
           </p:cNvPr>
@@ -1169,7 +1169,7 @@
           <p:cNvPr id="6" name="灯片编号占位符 5">
             <a:extLst>
               <a:ext uri="{FF2B5EF4-FFF2-40B4-BE49-F238E27FC236}">
-                <a16:creationId xmlns:a16="http://schemas.microsoft.com/office/drawing/2014/main" id="{31315968-C337-1163-F071-F5ACE52E4D06}"/>
+                <a16:creationId xmlns:a16="http://schemas.microsoft.com/office/drawing/2014/main" id="{47A5674D-E5BF-234D-9ABA-FB9771846C4F}"/>
               </a:ext>
             </a:extLst>
           </p:cNvPr>
@@ -1185,7 +1185,7 @@
           <a:bodyPr/>
           <a:lstStyle/>
           <a:p>
-            <a:fld id="{6A613B97-B195-4CED-B828-C1C1B0867B76}" type="slidenum">
+            <a:fld id="{85A7496E-AD7E-41A4-B6EB-0B0EA730FCAF}" type="slidenum">
               <a:rPr lang="zh-CN" altLang="en-US" smtClean="0"/>
               <a:t>‹#›</a:t>
             </a:fld>
@@ -1196,7 +1196,7 @@
     </p:spTree>
     <p:extLst>
       <p:ext uri="{BB962C8B-B14F-4D97-AF65-F5344CB8AC3E}">
-        <p14:creationId xmlns:p14="http://schemas.microsoft.com/office/powerpoint/2010/main" val="2550570855"/>
+        <p14:creationId xmlns:p14="http://schemas.microsoft.com/office/powerpoint/2010/main" val="2875591568"/>
       </p:ext>
     </p:extLst>
   </p:cSld>
@@ -1228,7 +1228,7 @@
           <p:cNvPr id="2" name="标题 1">
             <a:extLst>
               <a:ext uri="{FF2B5EF4-FFF2-40B4-BE49-F238E27FC236}">
-                <a16:creationId xmlns:a16="http://schemas.microsoft.com/office/drawing/2014/main" id="{CA97164A-6440-FA33-F6AF-C0EC989BC3BD}"/>
+                <a16:creationId xmlns:a16="http://schemas.microsoft.com/office/drawing/2014/main" id="{22E4423E-5B22-C41E-DA34-C3D90E090401}"/>
               </a:ext>
             </a:extLst>
           </p:cNvPr>
@@ -1256,7 +1256,7 @@
           <p:cNvPr id="3" name="内容占位符 2">
             <a:extLst>
               <a:ext uri="{FF2B5EF4-FFF2-40B4-BE49-F238E27FC236}">
-                <a16:creationId xmlns:a16="http://schemas.microsoft.com/office/drawing/2014/main" id="{6A5CC5AE-5B3E-00F4-5B9B-030273D199F1}"/>
+                <a16:creationId xmlns:a16="http://schemas.microsoft.com/office/drawing/2014/main" id="{3CF7C941-3DEF-D11D-8B0C-6F0C86AFFAC8}"/>
               </a:ext>
             </a:extLst>
           </p:cNvPr>
@@ -1318,7 +1318,7 @@
           <p:cNvPr id="4" name="内容占位符 3">
             <a:extLst>
               <a:ext uri="{FF2B5EF4-FFF2-40B4-BE49-F238E27FC236}">
-                <a16:creationId xmlns:a16="http://schemas.microsoft.com/office/drawing/2014/main" id="{71111DA2-C5F6-F968-5AEE-F54DB2504E51}"/>
+                <a16:creationId xmlns:a16="http://schemas.microsoft.com/office/drawing/2014/main" id="{0EC7ABE2-162C-3B8E-166C-2062E482DE98}"/>
               </a:ext>
             </a:extLst>
           </p:cNvPr>
@@ -1380,7 +1380,7 @@
           <p:cNvPr id="5" name="日期占位符 4">
             <a:extLst>
               <a:ext uri="{FF2B5EF4-FFF2-40B4-BE49-F238E27FC236}">
-                <a16:creationId xmlns:a16="http://schemas.microsoft.com/office/drawing/2014/main" id="{F52FD060-2B16-1916-DE18-A4908D6C0E1D}"/>
+                <a16:creationId xmlns:a16="http://schemas.microsoft.com/office/drawing/2014/main" id="{4584A3E6-0981-92DE-ADBD-50CBA32C3275}"/>
               </a:ext>
             </a:extLst>
           </p:cNvPr>
@@ -1396,7 +1396,7 @@
           <a:bodyPr/>
           <a:lstStyle/>
           <a:p>
-            <a:fld id="{8BDABA23-4AF8-4CEE-8758-C9D294637D42}" type="datetimeFigureOut">
+            <a:fld id="{EA0E29E5-1927-48DC-B979-7076FC8B7CF6}" type="datetimeFigureOut">
               <a:rPr lang="zh-CN" altLang="en-US" smtClean="0"/>
               <a:t>2024/3/10</a:t>
             </a:fld>
@@ -1409,7 +1409,7 @@
           <p:cNvPr id="6" name="页脚占位符 5">
             <a:extLst>
               <a:ext uri="{FF2B5EF4-FFF2-40B4-BE49-F238E27FC236}">
-                <a16:creationId xmlns:a16="http://schemas.microsoft.com/office/drawing/2014/main" id="{EFB4E4A1-E63B-85B8-49EC-6DD90D9D1369}"/>
+                <a16:creationId xmlns:a16="http://schemas.microsoft.com/office/drawing/2014/main" id="{E0C45534-84A6-97DE-3203-32F2EEC796A7}"/>
               </a:ext>
             </a:extLst>
           </p:cNvPr>
@@ -1434,7 +1434,7 @@
           <p:cNvPr id="7" name="灯片编号占位符 6">
             <a:extLst>
               <a:ext uri="{FF2B5EF4-FFF2-40B4-BE49-F238E27FC236}">
-                <a16:creationId xmlns:a16="http://schemas.microsoft.com/office/drawing/2014/main" id="{AFA1294F-D241-231A-160E-D896C9908E36}"/>
+                <a16:creationId xmlns:a16="http://schemas.microsoft.com/office/drawing/2014/main" id="{1D8155A6-F77D-2354-2F1B-00C75DB77002}"/>
               </a:ext>
             </a:extLst>
           </p:cNvPr>
@@ -1450,7 +1450,7 @@
           <a:bodyPr/>
           <a:lstStyle/>
           <a:p>
-            <a:fld id="{6A613B97-B195-4CED-B828-C1C1B0867B76}" type="slidenum">
+            <a:fld id="{85A7496E-AD7E-41A4-B6EB-0B0EA730FCAF}" type="slidenum">
               <a:rPr lang="zh-CN" altLang="en-US" smtClean="0"/>
               <a:t>‹#›</a:t>
             </a:fld>
@@ -1461,7 +1461,7 @@
     </p:spTree>
     <p:extLst>
       <p:ext uri="{BB962C8B-B14F-4D97-AF65-F5344CB8AC3E}">
-        <p14:creationId xmlns:p14="http://schemas.microsoft.com/office/powerpoint/2010/main" val="1495987734"/>
+        <p14:creationId xmlns:p14="http://schemas.microsoft.com/office/powerpoint/2010/main" val="4060395656"/>
       </p:ext>
     </p:extLst>
   </p:cSld>
@@ -1493,7 +1493,7 @@
           <p:cNvPr id="2" name="标题 1">
             <a:extLst>
               <a:ext uri="{FF2B5EF4-FFF2-40B4-BE49-F238E27FC236}">
-                <a16:creationId xmlns:a16="http://schemas.microsoft.com/office/drawing/2014/main" id="{2EA70E9B-198E-12DD-3580-233992693752}"/>
+                <a16:creationId xmlns:a16="http://schemas.microsoft.com/office/drawing/2014/main" id="{2B603298-4B2E-A9BB-FD4F-82567D735302}"/>
               </a:ext>
             </a:extLst>
           </p:cNvPr>
@@ -1526,7 +1526,7 @@
           <p:cNvPr id="3" name="文本占位符 2">
             <a:extLst>
               <a:ext uri="{FF2B5EF4-FFF2-40B4-BE49-F238E27FC236}">
-                <a16:creationId xmlns:a16="http://schemas.microsoft.com/office/drawing/2014/main" id="{0C279E49-9D66-AC1E-4029-03B03C1941BC}"/>
+                <a16:creationId xmlns:a16="http://schemas.microsoft.com/office/drawing/2014/main" id="{9F6984D0-501D-55CF-788A-3FD5EF0DBBE4}"/>
               </a:ext>
             </a:extLst>
           </p:cNvPr>
@@ -1597,7 +1597,7 @@
           <p:cNvPr id="4" name="内容占位符 3">
             <a:extLst>
               <a:ext uri="{FF2B5EF4-FFF2-40B4-BE49-F238E27FC236}">
-                <a16:creationId xmlns:a16="http://schemas.microsoft.com/office/drawing/2014/main" id="{3677C741-C77C-3684-5BE8-86535EDFF690}"/>
+                <a16:creationId xmlns:a16="http://schemas.microsoft.com/office/drawing/2014/main" id="{04A691E7-D661-1736-20D4-A71476D5BD7C}"/>
               </a:ext>
             </a:extLst>
           </p:cNvPr>
@@ -1659,7 +1659,7 @@
           <p:cNvPr id="5" name="文本占位符 4">
             <a:extLst>
               <a:ext uri="{FF2B5EF4-FFF2-40B4-BE49-F238E27FC236}">
-                <a16:creationId xmlns:a16="http://schemas.microsoft.com/office/drawing/2014/main" id="{E5623D80-A54D-6B91-B42F-96481544955C}"/>
+                <a16:creationId xmlns:a16="http://schemas.microsoft.com/office/drawing/2014/main" id="{A6392A5A-91FB-A551-9E87-37A760D0E822}"/>
               </a:ext>
             </a:extLst>
           </p:cNvPr>
@@ -1730,7 +1730,7 @@
           <p:cNvPr id="6" name="内容占位符 5">
             <a:extLst>
               <a:ext uri="{FF2B5EF4-FFF2-40B4-BE49-F238E27FC236}">
-                <a16:creationId xmlns:a16="http://schemas.microsoft.com/office/drawing/2014/main" id="{3FE80CE4-F618-1C38-99EA-C8E6D9B673FE}"/>
+                <a16:creationId xmlns:a16="http://schemas.microsoft.com/office/drawing/2014/main" id="{23A10F75-5434-09BC-D26E-8FEE3855C78B}"/>
               </a:ext>
             </a:extLst>
           </p:cNvPr>
@@ -1792,7 +1792,7 @@
           <p:cNvPr id="7" name="日期占位符 6">
             <a:extLst>
               <a:ext uri="{FF2B5EF4-FFF2-40B4-BE49-F238E27FC236}">
-                <a16:creationId xmlns:a16="http://schemas.microsoft.com/office/drawing/2014/main" id="{807B48A4-9816-D4E9-DBB8-7308D1CD5E76}"/>
+                <a16:creationId xmlns:a16="http://schemas.microsoft.com/office/drawing/2014/main" id="{D705AF1E-AE05-AF2A-D8D0-177BB54589D5}"/>
               </a:ext>
             </a:extLst>
           </p:cNvPr>
@@ -1808,7 +1808,7 @@
           <a:bodyPr/>
           <a:lstStyle/>
           <a:p>
-            <a:fld id="{8BDABA23-4AF8-4CEE-8758-C9D294637D42}" type="datetimeFigureOut">
+            <a:fld id="{EA0E29E5-1927-48DC-B979-7076FC8B7CF6}" type="datetimeFigureOut">
               <a:rPr lang="zh-CN" altLang="en-US" smtClean="0"/>
               <a:t>2024/3/10</a:t>
             </a:fld>
@@ -1821,7 +1821,7 @@
           <p:cNvPr id="8" name="页脚占位符 7">
             <a:extLst>
               <a:ext uri="{FF2B5EF4-FFF2-40B4-BE49-F238E27FC236}">
-                <a16:creationId xmlns:a16="http://schemas.microsoft.com/office/drawing/2014/main" id="{F1CD235B-A5B1-4B43-3E6F-701EDDB49EBB}"/>
+                <a16:creationId xmlns:a16="http://schemas.microsoft.com/office/drawing/2014/main" id="{0C62AF27-2260-EDE9-8EAB-3624B9185246}"/>
               </a:ext>
             </a:extLst>
           </p:cNvPr>
@@ -1846,7 +1846,7 @@
           <p:cNvPr id="9" name="灯片编号占位符 8">
             <a:extLst>
               <a:ext uri="{FF2B5EF4-FFF2-40B4-BE49-F238E27FC236}">
-                <a16:creationId xmlns:a16="http://schemas.microsoft.com/office/drawing/2014/main" id="{76D1A842-9513-9D4F-2977-3E86CBE50E0D}"/>
+                <a16:creationId xmlns:a16="http://schemas.microsoft.com/office/drawing/2014/main" id="{E5F65881-942B-5307-6BCD-A97830A34D44}"/>
               </a:ext>
             </a:extLst>
           </p:cNvPr>
@@ -1862,7 +1862,7 @@
           <a:bodyPr/>
           <a:lstStyle/>
           <a:p>
-            <a:fld id="{6A613B97-B195-4CED-B828-C1C1B0867B76}" type="slidenum">
+            <a:fld id="{85A7496E-AD7E-41A4-B6EB-0B0EA730FCAF}" type="slidenum">
               <a:rPr lang="zh-CN" altLang="en-US" smtClean="0"/>
               <a:t>‹#›</a:t>
             </a:fld>
@@ -1873,7 +1873,7 @@
     </p:spTree>
     <p:extLst>
       <p:ext uri="{BB962C8B-B14F-4D97-AF65-F5344CB8AC3E}">
-        <p14:creationId xmlns:p14="http://schemas.microsoft.com/office/powerpoint/2010/main" val="1531524525"/>
+        <p14:creationId xmlns:p14="http://schemas.microsoft.com/office/powerpoint/2010/main" val="3108637612"/>
       </p:ext>
     </p:extLst>
   </p:cSld>
@@ -1905,7 +1905,7 @@
           <p:cNvPr id="2" name="标题 1">
             <a:extLst>
               <a:ext uri="{FF2B5EF4-FFF2-40B4-BE49-F238E27FC236}">
-                <a16:creationId xmlns:a16="http://schemas.microsoft.com/office/drawing/2014/main" id="{74D707C8-827D-5233-D34A-20F7DE66B9C0}"/>
+                <a16:creationId xmlns:a16="http://schemas.microsoft.com/office/drawing/2014/main" id="{1295E064-F27B-406A-6159-AC48DC6B5358}"/>
               </a:ext>
             </a:extLst>
           </p:cNvPr>
@@ -1933,7 +1933,7 @@
           <p:cNvPr id="3" name="日期占位符 2">
             <a:extLst>
               <a:ext uri="{FF2B5EF4-FFF2-40B4-BE49-F238E27FC236}">
-                <a16:creationId xmlns:a16="http://schemas.microsoft.com/office/drawing/2014/main" id="{D9AFA5C1-2D94-691D-58B3-AAD9149BB9D7}"/>
+                <a16:creationId xmlns:a16="http://schemas.microsoft.com/office/drawing/2014/main" id="{4F09DA31-4135-E0CC-F8E1-B983C6888D7C}"/>
               </a:ext>
             </a:extLst>
           </p:cNvPr>
@@ -1949,7 +1949,7 @@
           <a:bodyPr/>
           <a:lstStyle/>
           <a:p>
-            <a:fld id="{8BDABA23-4AF8-4CEE-8758-C9D294637D42}" type="datetimeFigureOut">
+            <a:fld id="{EA0E29E5-1927-48DC-B979-7076FC8B7CF6}" type="datetimeFigureOut">
               <a:rPr lang="zh-CN" altLang="en-US" smtClean="0"/>
               <a:t>2024/3/10</a:t>
             </a:fld>
@@ -1962,7 +1962,7 @@
           <p:cNvPr id="4" name="页脚占位符 3">
             <a:extLst>
               <a:ext uri="{FF2B5EF4-FFF2-40B4-BE49-F238E27FC236}">
-                <a16:creationId xmlns:a16="http://schemas.microsoft.com/office/drawing/2014/main" id="{E369C1BA-6190-8794-C1C3-A459FE900638}"/>
+                <a16:creationId xmlns:a16="http://schemas.microsoft.com/office/drawing/2014/main" id="{2C04BBA7-1C9A-3726-9E1B-8986235FBB26}"/>
               </a:ext>
             </a:extLst>
           </p:cNvPr>
@@ -1987,7 +1987,7 @@
           <p:cNvPr id="5" name="灯片编号占位符 4">
             <a:extLst>
               <a:ext uri="{FF2B5EF4-FFF2-40B4-BE49-F238E27FC236}">
-                <a16:creationId xmlns:a16="http://schemas.microsoft.com/office/drawing/2014/main" id="{5E15D21A-C91D-B748-E78A-105355BB45B9}"/>
+                <a16:creationId xmlns:a16="http://schemas.microsoft.com/office/drawing/2014/main" id="{4B10B1C3-8686-66C3-3DE4-53E0232D128C}"/>
               </a:ext>
             </a:extLst>
           </p:cNvPr>
@@ -2003,7 +2003,7 @@
           <a:bodyPr/>
           <a:lstStyle/>
           <a:p>
-            <a:fld id="{6A613B97-B195-4CED-B828-C1C1B0867B76}" type="slidenum">
+            <a:fld id="{85A7496E-AD7E-41A4-B6EB-0B0EA730FCAF}" type="slidenum">
               <a:rPr lang="zh-CN" altLang="en-US" smtClean="0"/>
               <a:t>‹#›</a:t>
             </a:fld>
@@ -2014,7 +2014,7 @@
     </p:spTree>
     <p:extLst>
       <p:ext uri="{BB962C8B-B14F-4D97-AF65-F5344CB8AC3E}">
-        <p14:creationId xmlns:p14="http://schemas.microsoft.com/office/powerpoint/2010/main" val="4096469330"/>
+        <p14:creationId xmlns:p14="http://schemas.microsoft.com/office/powerpoint/2010/main" val="992769973"/>
       </p:ext>
     </p:extLst>
   </p:cSld>
@@ -2046,7 +2046,7 @@
           <p:cNvPr id="2" name="日期占位符 1">
             <a:extLst>
               <a:ext uri="{FF2B5EF4-FFF2-40B4-BE49-F238E27FC236}">
-                <a16:creationId xmlns:a16="http://schemas.microsoft.com/office/drawing/2014/main" id="{79A74D41-620E-4C97-424B-41569F65D32B}"/>
+                <a16:creationId xmlns:a16="http://schemas.microsoft.com/office/drawing/2014/main" id="{3EA5C623-DE6F-8FEE-D618-7321CBA9475B}"/>
               </a:ext>
             </a:extLst>
           </p:cNvPr>
@@ -2062,7 +2062,7 @@
           <a:bodyPr/>
           <a:lstStyle/>
           <a:p>
-            <a:fld id="{8BDABA23-4AF8-4CEE-8758-C9D294637D42}" type="datetimeFigureOut">
+            <a:fld id="{EA0E29E5-1927-48DC-B979-7076FC8B7CF6}" type="datetimeFigureOut">
               <a:rPr lang="zh-CN" altLang="en-US" smtClean="0"/>
               <a:t>2024/3/10</a:t>
             </a:fld>
@@ -2075,7 +2075,7 @@
           <p:cNvPr id="3" name="页脚占位符 2">
             <a:extLst>
               <a:ext uri="{FF2B5EF4-FFF2-40B4-BE49-F238E27FC236}">
-                <a16:creationId xmlns:a16="http://schemas.microsoft.com/office/drawing/2014/main" id="{60D77E91-1D02-F3DD-A5AA-8334A716B51B}"/>
+                <a16:creationId xmlns:a16="http://schemas.microsoft.com/office/drawing/2014/main" id="{130AAE91-068F-47BA-52BA-69AEFAC16151}"/>
               </a:ext>
             </a:extLst>
           </p:cNvPr>
@@ -2100,7 +2100,7 @@
           <p:cNvPr id="4" name="灯片编号占位符 3">
             <a:extLst>
               <a:ext uri="{FF2B5EF4-FFF2-40B4-BE49-F238E27FC236}">
-                <a16:creationId xmlns:a16="http://schemas.microsoft.com/office/drawing/2014/main" id="{949E7C93-01D8-6320-4C71-909922D29A55}"/>
+                <a16:creationId xmlns:a16="http://schemas.microsoft.com/office/drawing/2014/main" id="{9D656481-00FC-3CB9-3934-E2DC87E505E7}"/>
               </a:ext>
             </a:extLst>
           </p:cNvPr>
@@ -2116,7 +2116,7 @@
           <a:bodyPr/>
           <a:lstStyle/>
           <a:p>
-            <a:fld id="{6A613B97-B195-4CED-B828-C1C1B0867B76}" type="slidenum">
+            <a:fld id="{85A7496E-AD7E-41A4-B6EB-0B0EA730FCAF}" type="slidenum">
               <a:rPr lang="zh-CN" altLang="en-US" smtClean="0"/>
               <a:t>‹#›</a:t>
             </a:fld>
@@ -2127,7 +2127,7 @@
     </p:spTree>
     <p:extLst>
       <p:ext uri="{BB962C8B-B14F-4D97-AF65-F5344CB8AC3E}">
-        <p14:creationId xmlns:p14="http://schemas.microsoft.com/office/powerpoint/2010/main" val="2556998560"/>
+        <p14:creationId xmlns:p14="http://schemas.microsoft.com/office/powerpoint/2010/main" val="749763941"/>
       </p:ext>
     </p:extLst>
   </p:cSld>
@@ -2159,7 +2159,7 @@
           <p:cNvPr id="2" name="标题 1">
             <a:extLst>
               <a:ext uri="{FF2B5EF4-FFF2-40B4-BE49-F238E27FC236}">
-                <a16:creationId xmlns:a16="http://schemas.microsoft.com/office/drawing/2014/main" id="{7CD6B309-4967-461C-E38F-05510F4B9B5C}"/>
+                <a16:creationId xmlns:a16="http://schemas.microsoft.com/office/drawing/2014/main" id="{608B5DB0-B943-EE42-E949-FE8BC41630FF}"/>
               </a:ext>
             </a:extLst>
           </p:cNvPr>
@@ -2196,7 +2196,7 @@
           <p:cNvPr id="3" name="内容占位符 2">
             <a:extLst>
               <a:ext uri="{FF2B5EF4-FFF2-40B4-BE49-F238E27FC236}">
-                <a16:creationId xmlns:a16="http://schemas.microsoft.com/office/drawing/2014/main" id="{16C910F3-0816-C3A2-8E04-079231B29600}"/>
+                <a16:creationId xmlns:a16="http://schemas.microsoft.com/office/drawing/2014/main" id="{559E74FE-8F02-9350-893C-6DB281AC0CDE}"/>
               </a:ext>
             </a:extLst>
           </p:cNvPr>
@@ -2286,7 +2286,7 @@
           <p:cNvPr id="4" name="文本占位符 3">
             <a:extLst>
               <a:ext uri="{FF2B5EF4-FFF2-40B4-BE49-F238E27FC236}">
-                <a16:creationId xmlns:a16="http://schemas.microsoft.com/office/drawing/2014/main" id="{DBA4EB49-EC0E-4E20-A0ED-A84B9C011C37}"/>
+                <a16:creationId xmlns:a16="http://schemas.microsoft.com/office/drawing/2014/main" id="{471782F3-C89C-2693-20CC-06AF2EB25ED5}"/>
               </a:ext>
             </a:extLst>
           </p:cNvPr>
@@ -2357,7 +2357,7 @@
           <p:cNvPr id="5" name="日期占位符 4">
             <a:extLst>
               <a:ext uri="{FF2B5EF4-FFF2-40B4-BE49-F238E27FC236}">
-                <a16:creationId xmlns:a16="http://schemas.microsoft.com/office/drawing/2014/main" id="{61B06C7A-5BB4-7480-ACB7-7C4E34362317}"/>
+                <a16:creationId xmlns:a16="http://schemas.microsoft.com/office/drawing/2014/main" id="{12A1EEB6-60B8-93EA-B450-81238D1E8C87}"/>
               </a:ext>
             </a:extLst>
           </p:cNvPr>
@@ -2373,7 +2373,7 @@
           <a:bodyPr/>
           <a:lstStyle/>
           <a:p>
-            <a:fld id="{8BDABA23-4AF8-4CEE-8758-C9D294637D42}" type="datetimeFigureOut">
+            <a:fld id="{EA0E29E5-1927-48DC-B979-7076FC8B7CF6}" type="datetimeFigureOut">
               <a:rPr lang="zh-CN" altLang="en-US" smtClean="0"/>
               <a:t>2024/3/10</a:t>
             </a:fld>
@@ -2386,7 +2386,7 @@
           <p:cNvPr id="6" name="页脚占位符 5">
             <a:extLst>
               <a:ext uri="{FF2B5EF4-FFF2-40B4-BE49-F238E27FC236}">
-                <a16:creationId xmlns:a16="http://schemas.microsoft.com/office/drawing/2014/main" id="{9FF35F3F-E386-861B-C6A7-B22621673B83}"/>
+                <a16:creationId xmlns:a16="http://schemas.microsoft.com/office/drawing/2014/main" id="{DDA7D3E7-754A-2CE5-4F42-8E04B4E88EB0}"/>
               </a:ext>
             </a:extLst>
           </p:cNvPr>
@@ -2411,7 +2411,7 @@
           <p:cNvPr id="7" name="灯片编号占位符 6">
             <a:extLst>
               <a:ext uri="{FF2B5EF4-FFF2-40B4-BE49-F238E27FC236}">
-                <a16:creationId xmlns:a16="http://schemas.microsoft.com/office/drawing/2014/main" id="{38421436-40AA-9F4C-56FE-32B676E3BBD3}"/>
+                <a16:creationId xmlns:a16="http://schemas.microsoft.com/office/drawing/2014/main" id="{4ACCA88D-78B3-50CA-E551-C1C924E26FE0}"/>
               </a:ext>
             </a:extLst>
           </p:cNvPr>
@@ -2427,7 +2427,7 @@
           <a:bodyPr/>
           <a:lstStyle/>
           <a:p>
-            <a:fld id="{6A613B97-B195-4CED-B828-C1C1B0867B76}" type="slidenum">
+            <a:fld id="{85A7496E-AD7E-41A4-B6EB-0B0EA730FCAF}" type="slidenum">
               <a:rPr lang="zh-CN" altLang="en-US" smtClean="0"/>
               <a:t>‹#›</a:t>
             </a:fld>
@@ -2438,7 +2438,7 @@
     </p:spTree>
     <p:extLst>
       <p:ext uri="{BB962C8B-B14F-4D97-AF65-F5344CB8AC3E}">
-        <p14:creationId xmlns:p14="http://schemas.microsoft.com/office/powerpoint/2010/main" val="1137401146"/>
+        <p14:creationId xmlns:p14="http://schemas.microsoft.com/office/powerpoint/2010/main" val="1269254151"/>
       </p:ext>
     </p:extLst>
   </p:cSld>
@@ -2470,7 +2470,7 @@
           <p:cNvPr id="2" name="标题 1">
             <a:extLst>
               <a:ext uri="{FF2B5EF4-FFF2-40B4-BE49-F238E27FC236}">
-                <a16:creationId xmlns:a16="http://schemas.microsoft.com/office/drawing/2014/main" id="{3417B4B2-B7AD-6D51-111F-051CEBD6B9AD}"/>
+                <a16:creationId xmlns:a16="http://schemas.microsoft.com/office/drawing/2014/main" id="{17D07D41-0991-389F-6225-203A23D397C7}"/>
               </a:ext>
             </a:extLst>
           </p:cNvPr>
@@ -2507,7 +2507,7 @@
           <p:cNvPr id="3" name="图片占位符 2">
             <a:extLst>
               <a:ext uri="{FF2B5EF4-FFF2-40B4-BE49-F238E27FC236}">
-                <a16:creationId xmlns:a16="http://schemas.microsoft.com/office/drawing/2014/main" id="{1234AB11-C54B-AF73-AE3F-A4C28E9917A9}"/>
+                <a16:creationId xmlns:a16="http://schemas.microsoft.com/office/drawing/2014/main" id="{73C64BEB-2E7A-B6C1-9A36-2082C2D02472}"/>
               </a:ext>
             </a:extLst>
           </p:cNvPr>
@@ -2574,7 +2574,7 @@
           <p:cNvPr id="4" name="文本占位符 3">
             <a:extLst>
               <a:ext uri="{FF2B5EF4-FFF2-40B4-BE49-F238E27FC236}">
-                <a16:creationId xmlns:a16="http://schemas.microsoft.com/office/drawing/2014/main" id="{9B7E76BF-8D2A-D192-59BC-2BFF73C1790A}"/>
+                <a16:creationId xmlns:a16="http://schemas.microsoft.com/office/drawing/2014/main" id="{6AEB1047-7B94-A9A1-C211-42BFFF63028E}"/>
               </a:ext>
             </a:extLst>
           </p:cNvPr>
@@ -2645,7 +2645,7 @@
           <p:cNvPr id="5" name="日期占位符 4">
             <a:extLst>
               <a:ext uri="{FF2B5EF4-FFF2-40B4-BE49-F238E27FC236}">
-                <a16:creationId xmlns:a16="http://schemas.microsoft.com/office/drawing/2014/main" id="{25FF8817-520A-29ED-0A67-A35E6F527BBB}"/>
+                <a16:creationId xmlns:a16="http://schemas.microsoft.com/office/drawing/2014/main" id="{2BE4580C-472B-FE79-6836-0DB4F1850594}"/>
               </a:ext>
             </a:extLst>
           </p:cNvPr>
@@ -2661,7 +2661,7 @@
           <a:bodyPr/>
           <a:lstStyle/>
           <a:p>
-            <a:fld id="{8BDABA23-4AF8-4CEE-8758-C9D294637D42}" type="datetimeFigureOut">
+            <a:fld id="{EA0E29E5-1927-48DC-B979-7076FC8B7CF6}" type="datetimeFigureOut">
               <a:rPr lang="zh-CN" altLang="en-US" smtClean="0"/>
               <a:t>2024/3/10</a:t>
             </a:fld>
@@ -2674,7 +2674,7 @@
           <p:cNvPr id="6" name="页脚占位符 5">
             <a:extLst>
               <a:ext uri="{FF2B5EF4-FFF2-40B4-BE49-F238E27FC236}">
-                <a16:creationId xmlns:a16="http://schemas.microsoft.com/office/drawing/2014/main" id="{A2AA5D8B-06B2-6E43-97F0-574F7C8B6F59}"/>
+                <a16:creationId xmlns:a16="http://schemas.microsoft.com/office/drawing/2014/main" id="{B123E679-6302-10FB-69D8-4F98467171EF}"/>
               </a:ext>
             </a:extLst>
           </p:cNvPr>
@@ -2699,7 +2699,7 @@
           <p:cNvPr id="7" name="灯片编号占位符 6">
             <a:extLst>
               <a:ext uri="{FF2B5EF4-FFF2-40B4-BE49-F238E27FC236}">
-                <a16:creationId xmlns:a16="http://schemas.microsoft.com/office/drawing/2014/main" id="{EC431CBC-3D32-71BE-9558-04AB1B2085D0}"/>
+                <a16:creationId xmlns:a16="http://schemas.microsoft.com/office/drawing/2014/main" id="{C478505A-6670-5CB8-6734-AC900196A66C}"/>
               </a:ext>
             </a:extLst>
           </p:cNvPr>
@@ -2715,7 +2715,7 @@
           <a:bodyPr/>
           <a:lstStyle/>
           <a:p>
-            <a:fld id="{6A613B97-B195-4CED-B828-C1C1B0867B76}" type="slidenum">
+            <a:fld id="{85A7496E-AD7E-41A4-B6EB-0B0EA730FCAF}" type="slidenum">
               <a:rPr lang="zh-CN" altLang="en-US" smtClean="0"/>
               <a:t>‹#›</a:t>
             </a:fld>
@@ -2726,7 +2726,7 @@
     </p:spTree>
     <p:extLst>
       <p:ext uri="{BB962C8B-B14F-4D97-AF65-F5344CB8AC3E}">
-        <p14:creationId xmlns:p14="http://schemas.microsoft.com/office/powerpoint/2010/main" val="3408822370"/>
+        <p14:creationId xmlns:p14="http://schemas.microsoft.com/office/powerpoint/2010/main" val="86924407"/>
       </p:ext>
     </p:extLst>
   </p:cSld>
@@ -2763,7 +2763,7 @@
           <p:cNvPr id="2" name="标题占位符 1">
             <a:extLst>
               <a:ext uri="{FF2B5EF4-FFF2-40B4-BE49-F238E27FC236}">
-                <a16:creationId xmlns:a16="http://schemas.microsoft.com/office/drawing/2014/main" id="{3066EFAB-1AB6-8A9B-BCEC-77A6DA3B268B}"/>
+                <a16:creationId xmlns:a16="http://schemas.microsoft.com/office/drawing/2014/main" id="{B6565AD6-3F55-8F30-7265-264923815ED6}"/>
               </a:ext>
             </a:extLst>
           </p:cNvPr>
@@ -2801,7 +2801,7 @@
           <p:cNvPr id="3" name="文本占位符 2">
             <a:extLst>
               <a:ext uri="{FF2B5EF4-FFF2-40B4-BE49-F238E27FC236}">
-                <a16:creationId xmlns:a16="http://schemas.microsoft.com/office/drawing/2014/main" id="{2B5C16AA-870F-2464-DD0F-8C6BAEF7ED02}"/>
+                <a16:creationId xmlns:a16="http://schemas.microsoft.com/office/drawing/2014/main" id="{EDA013E5-F8F4-03A2-A0BD-58155920B649}"/>
               </a:ext>
             </a:extLst>
           </p:cNvPr>
@@ -2868,7 +2868,7 @@
           <p:cNvPr id="4" name="日期占位符 3">
             <a:extLst>
               <a:ext uri="{FF2B5EF4-FFF2-40B4-BE49-F238E27FC236}">
-                <a16:creationId xmlns:a16="http://schemas.microsoft.com/office/drawing/2014/main" id="{3C547EA6-C377-5DED-55DA-819E17290336}"/>
+                <a16:creationId xmlns:a16="http://schemas.microsoft.com/office/drawing/2014/main" id="{4D6C607B-9D74-99B4-A9E1-59EDC0981972}"/>
               </a:ext>
             </a:extLst>
           </p:cNvPr>
@@ -2902,7 +2902,7 @@
             </a:lvl1pPr>
           </a:lstStyle>
           <a:p>
-            <a:fld id="{8BDABA23-4AF8-4CEE-8758-C9D294637D42}" type="datetimeFigureOut">
+            <a:fld id="{EA0E29E5-1927-48DC-B979-7076FC8B7CF6}" type="datetimeFigureOut">
               <a:rPr lang="zh-CN" altLang="en-US" smtClean="0"/>
               <a:t>2024/3/10</a:t>
             </a:fld>
@@ -2915,7 +2915,7 @@
           <p:cNvPr id="5" name="页脚占位符 4">
             <a:extLst>
               <a:ext uri="{FF2B5EF4-FFF2-40B4-BE49-F238E27FC236}">
-                <a16:creationId xmlns:a16="http://schemas.microsoft.com/office/drawing/2014/main" id="{21016714-525A-9524-4AE2-6649FC393014}"/>
+                <a16:creationId xmlns:a16="http://schemas.microsoft.com/office/drawing/2014/main" id="{8FAC03F5-C80E-FF26-7F72-D88611BB769F}"/>
               </a:ext>
             </a:extLst>
           </p:cNvPr>
@@ -2958,7 +2958,7 @@
           <p:cNvPr id="6" name="灯片编号占位符 5">
             <a:extLst>
               <a:ext uri="{FF2B5EF4-FFF2-40B4-BE49-F238E27FC236}">
-                <a16:creationId xmlns:a16="http://schemas.microsoft.com/office/drawing/2014/main" id="{C9FCE9C8-4965-5F0A-8299-BEE690D1E0E3}"/>
+                <a16:creationId xmlns:a16="http://schemas.microsoft.com/office/drawing/2014/main" id="{F4D8FD30-F1BB-5D72-C196-9006E4629836}"/>
               </a:ext>
             </a:extLst>
           </p:cNvPr>
@@ -2992,7 +2992,7 @@
             </a:lvl1pPr>
           </a:lstStyle>
           <a:p>
-            <a:fld id="{6A613B97-B195-4CED-B828-C1C1B0867B76}" type="slidenum">
+            <a:fld id="{85A7496E-AD7E-41A4-B6EB-0B0EA730FCAF}" type="slidenum">
               <a:rPr lang="zh-CN" altLang="en-US" smtClean="0"/>
               <a:t>‹#›</a:t>
             </a:fld>
@@ -3003,7 +3003,7 @@
     </p:spTree>
     <p:extLst>
       <p:ext uri="{BB962C8B-B14F-4D97-AF65-F5344CB8AC3E}">
-        <p14:creationId xmlns:p14="http://schemas.microsoft.com/office/powerpoint/2010/main" val="1544765100"/>
+        <p14:creationId xmlns:p14="http://schemas.microsoft.com/office/powerpoint/2010/main" val="3953165145"/>
       </p:ext>
     </p:extLst>
   </p:cSld>
